--- a/documents/lecture0.pptx
+++ b/documents/lecture0.pptx
@@ -15,6 +15,7 @@
     <p:sldId id="269" r:id="rId9"/>
     <p:sldId id="270" r:id="rId10"/>
     <p:sldId id="271" r:id="rId11"/>
+    <p:sldId id="272" r:id="rId12"/>
   </p:sldIdLst>
   <p:sldSz cx="12192000" cy="6858000"/>
   <p:notesSz cx="6858000" cy="9144000"/>
@@ -4894,10 +4895,257 @@
           </a:p>
         </p:txBody>
       </p:sp>
+      <p:sp>
+        <p:nvSpPr>
+          <p:cNvPr id="4" name="TextBox 3">
+            <a:extLst>
+              <a:ext uri="{FF2B5EF4-FFF2-40B4-BE49-F238E27FC236}">
+                <a16:creationId xmlns:a16="http://schemas.microsoft.com/office/drawing/2014/main" id="{707D9883-5C18-653A-DA38-D54C117B7FC6}"/>
+              </a:ext>
+            </a:extLst>
+          </p:cNvPr>
+          <p:cNvSpPr txBox="1"/>
+          <p:nvPr/>
+        </p:nvSpPr>
+        <p:spPr>
+          <a:xfrm>
+            <a:off x="8352183" y="846832"/>
+            <a:ext cx="5621821" cy="707886"/>
+          </a:xfrm>
+          <a:prstGeom prst="rect">
+            <a:avLst/>
+          </a:prstGeom>
+          <a:noFill/>
+        </p:spPr>
+        <p:txBody>
+          <a:bodyPr wrap="square">
+            <a:spAutoFit/>
+          </a:bodyPr>
+          <a:lstStyle/>
+          <a:p>
+            <a:r>
+              <a:rPr lang="en-US" sz="4000" dirty="0">
+                <a:highlight>
+                  <a:srgbClr val="FF0000"/>
+                </a:highlight>
+                <a:latin typeface="+mj-lt"/>
+                <a:ea typeface="+mj-ea"/>
+                <a:cs typeface="+mj-cs"/>
+              </a:rPr>
+              <a:t>56 minutes</a:t>
+            </a:r>
+          </a:p>
+        </p:txBody>
+      </p:sp>
     </p:spTree>
     <p:extLst>
       <p:ext uri="{BB962C8B-B14F-4D97-AF65-F5344CB8AC3E}">
         <p14:creationId xmlns:p14="http://schemas.microsoft.com/office/powerpoint/2010/main" val="2589453633"/>
+      </p:ext>
+    </p:extLst>
+  </p:cSld>
+  <p:clrMapOvr>
+    <a:masterClrMapping/>
+  </p:clrMapOvr>
+</p:sld>
+</file>
+
+<file path=ppt/slides/slide11.xml><?xml version="1.0" encoding="utf-8"?>
+<p:sld xmlns:a="http://schemas.openxmlformats.org/drawingml/2006/main" xmlns:r="http://schemas.openxmlformats.org/officeDocument/2006/relationships" xmlns:p="http://schemas.openxmlformats.org/presentationml/2006/main">
+  <p:cSld>
+    <p:spTree>
+      <p:nvGrpSpPr>
+        <p:cNvPr id="1" name=""/>
+        <p:cNvGrpSpPr/>
+        <p:nvPr/>
+      </p:nvGrpSpPr>
+      <p:grpSpPr>
+        <a:xfrm>
+          <a:off x="0" y="0"/>
+          <a:ext cx="0" cy="0"/>
+          <a:chOff x="0" y="0"/>
+          <a:chExt cx="0" cy="0"/>
+        </a:xfrm>
+      </p:grpSpPr>
+      <p:sp>
+        <p:nvSpPr>
+          <p:cNvPr id="2" name="Title 1">
+            <a:extLst>
+              <a:ext uri="{FF2B5EF4-FFF2-40B4-BE49-F238E27FC236}">
+                <a16:creationId xmlns:a16="http://schemas.microsoft.com/office/drawing/2014/main" id="{59BCE6FE-C1EF-EB3B-A03A-878B55E14AE7}"/>
+              </a:ext>
+            </a:extLst>
+          </p:cNvPr>
+          <p:cNvSpPr>
+            <a:spLocks noGrp="1"/>
+          </p:cNvSpPr>
+          <p:nvPr>
+            <p:ph type="title"/>
+          </p:nvPr>
+        </p:nvSpPr>
+        <p:spPr>
+          <a:xfrm>
+            <a:off x="-1005322" y="801103"/>
+            <a:ext cx="7914488" cy="1077229"/>
+          </a:xfrm>
+        </p:spPr>
+        <p:txBody>
+          <a:bodyPr>
+            <a:normAutofit/>
+          </a:bodyPr>
+          <a:lstStyle/>
+          <a:p>
+            <a:r>
+              <a:rPr lang="en-US" sz="4000" dirty="0"/>
+              <a:t>The Code</a:t>
+            </a:r>
+          </a:p>
+        </p:txBody>
+      </p:sp>
+      <p:sp>
+        <p:nvSpPr>
+          <p:cNvPr id="3" name="Content Placeholder 2">
+            <a:extLst>
+              <a:ext uri="{FF2B5EF4-FFF2-40B4-BE49-F238E27FC236}">
+                <a16:creationId xmlns:a16="http://schemas.microsoft.com/office/drawing/2014/main" id="{A082EC46-5244-099F-6D39-27E138D80BBA}"/>
+              </a:ext>
+            </a:extLst>
+          </p:cNvPr>
+          <p:cNvSpPr>
+            <a:spLocks noGrp="1"/>
+          </p:cNvSpPr>
+          <p:nvPr>
+            <p:ph idx="1"/>
+          </p:nvPr>
+        </p:nvSpPr>
+        <p:spPr>
+          <a:xfrm>
+            <a:off x="1388693" y="1878332"/>
+            <a:ext cx="9414614" cy="3997828"/>
+          </a:xfrm>
+        </p:spPr>
+        <p:txBody>
+          <a:bodyPr>
+            <a:normAutofit/>
+          </a:bodyPr>
+          <a:lstStyle/>
+          <a:p>
+            <a:pPr marL="0" indent="0">
+              <a:buNone/>
+            </a:pPr>
+            <a:r>
+              <a:rPr lang="en-AU" sz="3200" dirty="0">
+                <a:effectLst/>
+                <a:latin typeface="Calibri" panose="020F0502020204030204" pitchFamily="34" charset="0"/>
+                <a:ea typeface="Calibri" panose="020F0502020204030204" pitchFamily="34" charset="0"/>
+                <a:cs typeface="Times New Roman" panose="02020603050405020304" pitchFamily="18" charset="0"/>
+                <a:hlinkClick r:id="rId2"/>
+              </a:rPr>
+              <a:t>https://</a:t>
+            </a:r>
+            <a:r>
+              <a:rPr lang="en-AU" sz="3200" dirty="0" err="1">
+                <a:effectLst/>
+                <a:latin typeface="Calibri" panose="020F0502020204030204" pitchFamily="34" charset="0"/>
+                <a:ea typeface="Calibri" panose="020F0502020204030204" pitchFamily="34" charset="0"/>
+                <a:cs typeface="Times New Roman" panose="02020603050405020304" pitchFamily="18" charset="0"/>
+                <a:hlinkClick r:id="rId2"/>
+              </a:rPr>
+              <a:t>github.com</a:t>
+            </a:r>
+            <a:r>
+              <a:rPr lang="en-AU" sz="3200" dirty="0">
+                <a:effectLst/>
+                <a:latin typeface="Calibri" panose="020F0502020204030204" pitchFamily="34" charset="0"/>
+                <a:ea typeface="Calibri" panose="020F0502020204030204" pitchFamily="34" charset="0"/>
+                <a:cs typeface="Times New Roman" panose="02020603050405020304" pitchFamily="18" charset="0"/>
+                <a:hlinkClick r:id="rId2"/>
+              </a:rPr>
+              <a:t>/</a:t>
+            </a:r>
+            <a:r>
+              <a:rPr lang="en-AU" sz="3200" dirty="0" err="1">
+                <a:effectLst/>
+                <a:latin typeface="Calibri" panose="020F0502020204030204" pitchFamily="34" charset="0"/>
+                <a:ea typeface="Calibri" panose="020F0502020204030204" pitchFamily="34" charset="0"/>
+                <a:cs typeface="Times New Roman" panose="02020603050405020304" pitchFamily="18" charset="0"/>
+                <a:hlinkClick r:id="rId2"/>
+              </a:rPr>
+              <a:t>RickSekuloski</a:t>
+            </a:r>
+            <a:r>
+              <a:rPr lang="en-AU" sz="3200" dirty="0">
+                <a:effectLst/>
+                <a:latin typeface="Calibri" panose="020F0502020204030204" pitchFamily="34" charset="0"/>
+                <a:ea typeface="Calibri" panose="020F0502020204030204" pitchFamily="34" charset="0"/>
+                <a:cs typeface="Times New Roman" panose="02020603050405020304" pitchFamily="18" charset="0"/>
+                <a:hlinkClick r:id="rId2"/>
+              </a:rPr>
+              <a:t>/python_course_yt1</a:t>
+            </a:r>
+            <a:endParaRPr lang="en-US" sz="3600" dirty="0"/>
+          </a:p>
+        </p:txBody>
+      </p:sp>
+      <p:sp>
+        <p:nvSpPr>
+          <p:cNvPr id="5" name="Title 1">
+            <a:extLst>
+              <a:ext uri="{FF2B5EF4-FFF2-40B4-BE49-F238E27FC236}">
+                <a16:creationId xmlns:a16="http://schemas.microsoft.com/office/drawing/2014/main" id="{27AD5DB7-F392-224A-B19B-661B2A789E9D}"/>
+              </a:ext>
+            </a:extLst>
+          </p:cNvPr>
+          <p:cNvSpPr txBox="1">
+            <a:spLocks/>
+          </p:cNvSpPr>
+          <p:nvPr/>
+        </p:nvSpPr>
+        <p:spPr>
+          <a:xfrm>
+            <a:off x="-4053322" y="2166077"/>
+            <a:ext cx="7914488" cy="1077229"/>
+          </a:xfrm>
+          <a:prstGeom prst="rect">
+            <a:avLst/>
+          </a:prstGeom>
+        </p:spPr>
+        <p:txBody>
+          <a:bodyPr vert="horz" lIns="91440" tIns="45720" rIns="91440" bIns="45720" rtlCol="0" anchor="t">
+            <a:normAutofit/>
+          </a:bodyPr>
+          <a:lstStyle>
+            <a:lvl1pPr algn="r" defTabSz="914400" rtl="0" eaLnBrk="1" latinLnBrk="0" hangingPunct="1">
+              <a:lnSpc>
+                <a:spcPct val="90000"/>
+              </a:lnSpc>
+              <a:spcBef>
+                <a:spcPct val="0"/>
+              </a:spcBef>
+              <a:buNone/>
+              <a:defRPr sz="3400" b="0" i="0" kern="1200" cap="none">
+                <a:solidFill>
+                  <a:schemeClr val="tx1"/>
+                </a:solidFill>
+                <a:effectLst/>
+                <a:latin typeface="+mj-lt"/>
+                <a:ea typeface="+mj-ea"/>
+                <a:cs typeface="+mj-cs"/>
+              </a:defRPr>
+            </a:lvl1pPr>
+          </a:lstStyle>
+          <a:p>
+            <a:r>
+              <a:rPr lang="en-US" sz="4000" dirty="0"/>
+              <a:t>GitHub</a:t>
+            </a:r>
+          </a:p>
+        </p:txBody>
+      </p:sp>
+    </p:spTree>
+    <p:extLst>
+      <p:ext uri="{BB962C8B-B14F-4D97-AF65-F5344CB8AC3E}">
+        <p14:creationId xmlns:p14="http://schemas.microsoft.com/office/powerpoint/2010/main" val="2525456950"/>
       </p:ext>
     </p:extLst>
   </p:cSld>
@@ -5007,6 +5255,67 @@
           <a:p>
             <a:pPr lvl="1"/>
             <a:endParaRPr lang="en-US" dirty="0"/>
+          </a:p>
+        </p:txBody>
+      </p:sp>
+      <p:sp>
+        <p:nvSpPr>
+          <p:cNvPr id="4" name="5-point Star 3">
+            <a:extLst>
+              <a:ext uri="{FF2B5EF4-FFF2-40B4-BE49-F238E27FC236}">
+                <a16:creationId xmlns:a16="http://schemas.microsoft.com/office/drawing/2014/main" id="{52B08973-8F8F-B353-8DB7-253EE6D7111B}"/>
+              </a:ext>
+            </a:extLst>
+          </p:cNvPr>
+          <p:cNvSpPr/>
+          <p:nvPr/>
+        </p:nvSpPr>
+        <p:spPr>
+          <a:xfrm rot="1078849">
+            <a:off x="8636807" y="1376082"/>
+            <a:ext cx="2786213" cy="2141090"/>
+          </a:xfrm>
+          <a:prstGeom prst="star5">
+            <a:avLst>
+              <a:gd name="adj" fmla="val 25934"/>
+              <a:gd name="hf" fmla="val 105146"/>
+              <a:gd name="vf" fmla="val 110557"/>
+            </a:avLst>
+          </a:prstGeom>
+          <a:solidFill>
+            <a:srgbClr val="FF0000"/>
+          </a:solidFill>
+        </p:spPr>
+        <p:style>
+          <a:lnRef idx="1">
+            <a:schemeClr val="accent4"/>
+          </a:lnRef>
+          <a:fillRef idx="3">
+            <a:schemeClr val="accent4"/>
+          </a:fillRef>
+          <a:effectRef idx="2">
+            <a:schemeClr val="accent4"/>
+          </a:effectRef>
+          <a:fontRef idx="minor">
+            <a:schemeClr val="lt1"/>
+          </a:fontRef>
+        </p:style>
+        <p:txBody>
+          <a:bodyPr rtlCol="0" anchor="ctr"/>
+          <a:lstStyle/>
+          <a:p>
+            <a:pPr algn="ctr"/>
+            <a:r>
+              <a:rPr lang="en-US" sz="4400" dirty="0"/>
+              <a:t>8+</a:t>
+            </a:r>
+          </a:p>
+          <a:p>
+            <a:pPr algn="ctr"/>
+            <a:r>
+              <a:rPr lang="en-US" sz="2400" dirty="0"/>
+              <a:t>hours</a:t>
+            </a:r>
           </a:p>
         </p:txBody>
       </p:sp>
@@ -6986,7 +7295,7 @@
           <a:lstStyle/>
           <a:p>
             <a:r>
-              <a:rPr lang="en-US" sz="4000">
+              <a:rPr lang="en-US" sz="4000" dirty="0">
                 <a:highlight>
                   <a:srgbClr val="FF0000"/>
                 </a:highlight>
@@ -6996,14 +7305,6 @@
               </a:rPr>
               <a:t> 53minutes</a:t>
             </a:r>
-            <a:endParaRPr lang="en-US" sz="4000" dirty="0">
-              <a:highlight>
-                <a:srgbClr val="FF0000"/>
-              </a:highlight>
-              <a:latin typeface="+mj-lt"/>
-              <a:ea typeface="+mj-ea"/>
-              <a:cs typeface="+mj-cs"/>
-            </a:endParaRPr>
           </a:p>
         </p:txBody>
       </p:sp>
@@ -7409,6 +7710,48 @@
           </a:p>
         </p:txBody>
       </p:sp>
+      <p:sp>
+        <p:nvSpPr>
+          <p:cNvPr id="4" name="TextBox 3">
+            <a:extLst>
+              <a:ext uri="{FF2B5EF4-FFF2-40B4-BE49-F238E27FC236}">
+                <a16:creationId xmlns:a16="http://schemas.microsoft.com/office/drawing/2014/main" id="{75E5AB6D-FF16-19AD-1C8B-EED78DEB2D0F}"/>
+              </a:ext>
+            </a:extLst>
+          </p:cNvPr>
+          <p:cNvSpPr txBox="1"/>
+          <p:nvPr/>
+        </p:nvSpPr>
+        <p:spPr>
+          <a:xfrm>
+            <a:off x="6182139" y="787197"/>
+            <a:ext cx="5621821" cy="707886"/>
+          </a:xfrm>
+          <a:prstGeom prst="rect">
+            <a:avLst/>
+          </a:prstGeom>
+          <a:noFill/>
+        </p:spPr>
+        <p:txBody>
+          <a:bodyPr wrap="square">
+            <a:spAutoFit/>
+          </a:bodyPr>
+          <a:lstStyle/>
+          <a:p>
+            <a:r>
+              <a:rPr lang="en-US" sz="4000" dirty="0">
+                <a:highlight>
+                  <a:srgbClr val="FF0000"/>
+                </a:highlight>
+                <a:latin typeface="+mj-lt"/>
+                <a:ea typeface="+mj-ea"/>
+                <a:cs typeface="+mj-cs"/>
+              </a:rPr>
+              <a:t>1 hour and 10minutes</a:t>
+            </a:r>
+          </a:p>
+        </p:txBody>
+      </p:sp>
     </p:spTree>
     <p:extLst>
       <p:ext uri="{BB962C8B-B14F-4D97-AF65-F5344CB8AC3E}">
@@ -7830,6 +8173,48 @@
               <a:latin typeface="Calibri" panose="020F0502020204030204" pitchFamily="34" charset="0"/>
               <a:cs typeface="Times New Roman" panose="02020603050405020304" pitchFamily="18" charset="0"/>
             </a:endParaRPr>
+          </a:p>
+        </p:txBody>
+      </p:sp>
+      <p:sp>
+        <p:nvSpPr>
+          <p:cNvPr id="4" name="TextBox 3">
+            <a:extLst>
+              <a:ext uri="{FF2B5EF4-FFF2-40B4-BE49-F238E27FC236}">
+                <a16:creationId xmlns:a16="http://schemas.microsoft.com/office/drawing/2014/main" id="{C67B9766-319E-5187-F594-EE4A7F955B76}"/>
+              </a:ext>
+            </a:extLst>
+          </p:cNvPr>
+          <p:cNvSpPr txBox="1"/>
+          <p:nvPr/>
+        </p:nvSpPr>
+        <p:spPr>
+          <a:xfrm>
+            <a:off x="8352183" y="846832"/>
+            <a:ext cx="5621821" cy="707886"/>
+          </a:xfrm>
+          <a:prstGeom prst="rect">
+            <a:avLst/>
+          </a:prstGeom>
+          <a:noFill/>
+        </p:spPr>
+        <p:txBody>
+          <a:bodyPr wrap="square">
+            <a:spAutoFit/>
+          </a:bodyPr>
+          <a:lstStyle/>
+          <a:p>
+            <a:r>
+              <a:rPr lang="en-US" sz="4000" dirty="0">
+                <a:highlight>
+                  <a:srgbClr val="FF0000"/>
+                </a:highlight>
+                <a:latin typeface="+mj-lt"/>
+                <a:ea typeface="+mj-ea"/>
+                <a:cs typeface="+mj-cs"/>
+              </a:rPr>
+              <a:t>49 minutes</a:t>
+            </a:r>
           </a:p>
         </p:txBody>
       </p:sp>
